--- a/PBD_bayesian_fit_CBD/pipeline.pptx
+++ b/PBD_bayesian_fit_CBD/pipeline.pptx
@@ -104,6 +104,11 @@
       </a:defRPr>
     </a:lvl9pPr>
   </p:defaultTextStyle>
+  <p:extLst>
+    <p:ext uri="{EFAFB233-063F-42B5-8137-9DF3F51BA10A}">
+      <p15:sldGuideLst xmlns:p15="http://schemas.microsoft.com/office/powerpoint/2012/main"/>
+    </p:ext>
+  </p:extLst>
 </p:presentation>
 </file>
 
@@ -254,7 +259,7 @@
           <a:p>
             <a:fld id="{859FB00F-E207-4101-9940-B9E817E1FCE4}" type="datetimeFigureOut">
               <a:rPr lang="fr-FR" smtClean="0"/>
-              <a:t>04/03/2024</a:t>
+              <a:t>11/03/2024</a:t>
             </a:fld>
             <a:endParaRPr lang="fr-FR"/>
           </a:p>
@@ -452,7 +457,7 @@
           <a:p>
             <a:fld id="{859FB00F-E207-4101-9940-B9E817E1FCE4}" type="datetimeFigureOut">
               <a:rPr lang="fr-FR" smtClean="0"/>
-              <a:t>04/03/2024</a:t>
+              <a:t>11/03/2024</a:t>
             </a:fld>
             <a:endParaRPr lang="fr-FR"/>
           </a:p>
@@ -660,7 +665,7 @@
           <a:p>
             <a:fld id="{859FB00F-E207-4101-9940-B9E817E1FCE4}" type="datetimeFigureOut">
               <a:rPr lang="fr-FR" smtClean="0"/>
-              <a:t>04/03/2024</a:t>
+              <a:t>11/03/2024</a:t>
             </a:fld>
             <a:endParaRPr lang="fr-FR"/>
           </a:p>
@@ -858,7 +863,7 @@
           <a:p>
             <a:fld id="{859FB00F-E207-4101-9940-B9E817E1FCE4}" type="datetimeFigureOut">
               <a:rPr lang="fr-FR" smtClean="0"/>
-              <a:t>04/03/2024</a:t>
+              <a:t>11/03/2024</a:t>
             </a:fld>
             <a:endParaRPr lang="fr-FR"/>
           </a:p>
@@ -1133,7 +1138,7 @@
           <a:p>
             <a:fld id="{859FB00F-E207-4101-9940-B9E817E1FCE4}" type="datetimeFigureOut">
               <a:rPr lang="fr-FR" smtClean="0"/>
-              <a:t>04/03/2024</a:t>
+              <a:t>11/03/2024</a:t>
             </a:fld>
             <a:endParaRPr lang="fr-FR"/>
           </a:p>
@@ -1398,7 +1403,7 @@
           <a:p>
             <a:fld id="{859FB00F-E207-4101-9940-B9E817E1FCE4}" type="datetimeFigureOut">
               <a:rPr lang="fr-FR" smtClean="0"/>
-              <a:t>04/03/2024</a:t>
+              <a:t>11/03/2024</a:t>
             </a:fld>
             <a:endParaRPr lang="fr-FR"/>
           </a:p>
@@ -1810,7 +1815,7 @@
           <a:p>
             <a:fld id="{859FB00F-E207-4101-9940-B9E817E1FCE4}" type="datetimeFigureOut">
               <a:rPr lang="fr-FR" smtClean="0"/>
-              <a:t>04/03/2024</a:t>
+              <a:t>11/03/2024</a:t>
             </a:fld>
             <a:endParaRPr lang="fr-FR"/>
           </a:p>
@@ -1951,7 +1956,7 @@
           <a:p>
             <a:fld id="{859FB00F-E207-4101-9940-B9E817E1FCE4}" type="datetimeFigureOut">
               <a:rPr lang="fr-FR" smtClean="0"/>
-              <a:t>04/03/2024</a:t>
+              <a:t>11/03/2024</a:t>
             </a:fld>
             <a:endParaRPr lang="fr-FR"/>
           </a:p>
@@ -2064,7 +2069,7 @@
           <a:p>
             <a:fld id="{859FB00F-E207-4101-9940-B9E817E1FCE4}" type="datetimeFigureOut">
               <a:rPr lang="fr-FR" smtClean="0"/>
-              <a:t>04/03/2024</a:t>
+              <a:t>11/03/2024</a:t>
             </a:fld>
             <a:endParaRPr lang="fr-FR"/>
           </a:p>
@@ -2375,7 +2380,7 @@
           <a:p>
             <a:fld id="{859FB00F-E207-4101-9940-B9E817E1FCE4}" type="datetimeFigureOut">
               <a:rPr lang="fr-FR" smtClean="0"/>
-              <a:t>04/03/2024</a:t>
+              <a:t>11/03/2024</a:t>
             </a:fld>
             <a:endParaRPr lang="fr-FR"/>
           </a:p>
@@ -2666,7 +2671,7 @@
           <a:p>
             <a:fld id="{859FB00F-E207-4101-9940-B9E817E1FCE4}" type="datetimeFigureOut">
               <a:rPr lang="fr-FR" smtClean="0"/>
-              <a:t>04/03/2024</a:t>
+              <a:t>11/03/2024</a:t>
             </a:fld>
             <a:endParaRPr lang="fr-FR"/>
           </a:p>
@@ -2907,7 +2912,7 @@
           <a:p>
             <a:fld id="{859FB00F-E207-4101-9940-B9E817E1FCE4}" type="datetimeFigureOut">
               <a:rPr lang="fr-FR" smtClean="0"/>
-              <a:t>04/03/2024</a:t>
+              <a:t>11/03/2024</a:t>
             </a:fld>
             <a:endParaRPr lang="fr-FR"/>
           </a:p>
@@ -4541,6 +4546,284 @@
           </a:p>
         </p:txBody>
       </p:sp>
+      <mc:AlternateContent xmlns:mc="http://schemas.openxmlformats.org/markup-compatibility/2006">
+        <mc:Choice xmlns:a14="http://schemas.microsoft.com/office/drawing/2010/main" Requires="a14">
+          <p:sp>
+            <p:nvSpPr>
+              <p:cNvPr id="24" name="Rectangle 23">
+                <a:extLst>
+                  <a:ext uri="{FF2B5EF4-FFF2-40B4-BE49-F238E27FC236}">
+                    <a16:creationId xmlns:a16="http://schemas.microsoft.com/office/drawing/2014/main" id="{91D12ADA-E6F3-4D8E-8A3F-1B579D214B23}"/>
+                  </a:ext>
+                </a:extLst>
+              </p:cNvPr>
+              <p:cNvSpPr/>
+              <p:nvPr/>
+            </p:nvSpPr>
+            <p:spPr>
+              <a:xfrm>
+                <a:off x="3298154" y="8086424"/>
+                <a:ext cx="5595693" cy="1006776"/>
+              </a:xfrm>
+              <a:prstGeom prst="rect">
+                <a:avLst/>
+              </a:prstGeom>
+              <a:ln w="38100"/>
+            </p:spPr>
+            <p:style>
+              <a:lnRef idx="2">
+                <a:schemeClr val="dk1"/>
+              </a:lnRef>
+              <a:fillRef idx="1">
+                <a:schemeClr val="lt1"/>
+              </a:fillRef>
+              <a:effectRef idx="0">
+                <a:schemeClr val="dk1"/>
+              </a:effectRef>
+              <a:fontRef idx="minor">
+                <a:schemeClr val="dk1"/>
+              </a:fontRef>
+            </p:style>
+            <p:txBody>
+              <a:bodyPr rtlCol="0" anchor="ctr"/>
+              <a:lstStyle/>
+              <a:p>
+                <a:r>
+                  <a:rPr lang="fr-FR" dirty="0">
+                    <a:solidFill>
+                      <a:schemeClr val="tx1"/>
+                    </a:solidFill>
+                    <a:latin typeface="+mj-lt"/>
+                  </a:rPr>
+                  <a:t>Study </a:t>
+                </a:r>
+                <a14:m>
+                  <m:oMath xmlns:m="http://schemas.openxmlformats.org/officeDocument/2006/math">
+                    <m:r>
+                      <a:rPr lang="fr-FR" b="0" i="1" smtClean="0">
+                        <a:solidFill>
+                          <a:schemeClr val="tx1"/>
+                        </a:solidFill>
+                        <a:latin typeface="+mj-lt"/>
+                      </a:rPr>
+                      <m:t>𝛾</m:t>
+                    </m:r>
+                  </m:oMath>
+                </a14:m>
+                <a:r>
+                  <a:rPr lang="fr-FR" dirty="0">
+                    <a:solidFill>
+                      <a:schemeClr val="tx1"/>
+                    </a:solidFill>
+                    <a:latin typeface="+mj-lt"/>
+                  </a:rPr>
+                  <a:t> </a:t>
+                </a:r>
+                <a:r>
+                  <a:rPr lang="fr-FR" dirty="0" err="1">
+                    <a:solidFill>
+                      <a:schemeClr val="tx1"/>
+                    </a:solidFill>
+                    <a:latin typeface="+mj-lt"/>
+                  </a:rPr>
+                  <a:t>statistics</a:t>
+                </a:r>
+                <a:r>
+                  <a:rPr lang="fr-FR" dirty="0">
+                    <a:solidFill>
+                      <a:schemeClr val="tx1"/>
+                    </a:solidFill>
+                    <a:latin typeface="+mj-lt"/>
+                  </a:rPr>
+                  <a:t> (</a:t>
+                </a:r>
+                <a:r>
+                  <a:rPr lang="fr-FR" dirty="0" err="1">
+                    <a:solidFill>
+                      <a:schemeClr val="tx1"/>
+                    </a:solidFill>
+                    <a:latin typeface="+mj-lt"/>
+                  </a:rPr>
+                  <a:t>tree</a:t>
+                </a:r>
+                <a:r>
+                  <a:rPr lang="fr-FR" dirty="0">
+                    <a:solidFill>
+                      <a:schemeClr val="tx1"/>
+                    </a:solidFill>
+                    <a:latin typeface="+mj-lt"/>
+                  </a:rPr>
+                  <a:t> </a:t>
+                </a:r>
+                <a:r>
+                  <a:rPr lang="fr-FR" dirty="0" err="1">
+                    <a:solidFill>
+                      <a:schemeClr val="tx1"/>
+                    </a:solidFill>
+                    <a:latin typeface="+mj-lt"/>
+                  </a:rPr>
+                  <a:t>shape</a:t>
+                </a:r>
+                <a:r>
+                  <a:rPr lang="fr-FR" dirty="0">
+                    <a:solidFill>
+                      <a:schemeClr val="tx1"/>
+                    </a:solidFill>
+                    <a:latin typeface="+mj-lt"/>
+                  </a:rPr>
+                  <a:t>) with the pipeline in </a:t>
+                </a:r>
+              </a:p>
+              <a:p>
+                <a:r>
+                  <a:rPr lang="fr-FR" dirty="0">
+                    <a:solidFill>
+                      <a:schemeClr val="accent1"/>
+                    </a:solidFill>
+                    <a:latin typeface="Consolas" panose="020B0609020204030204" pitchFamily="49" charset="0"/>
+                  </a:rPr>
+                  <a:t>8-gamma_tree_shape/</a:t>
+                </a:r>
+              </a:p>
+            </p:txBody>
+          </p:sp>
+        </mc:Choice>
+        <mc:Fallback>
+          <p:sp>
+            <p:nvSpPr>
+              <p:cNvPr id="24" name="Rectangle 23">
+                <a:extLst>
+                  <a:ext uri="{FF2B5EF4-FFF2-40B4-BE49-F238E27FC236}">
+                    <a16:creationId xmlns:a16="http://schemas.microsoft.com/office/drawing/2014/main" id="{91D12ADA-E6F3-4D8E-8A3F-1B579D214B23}"/>
+                  </a:ext>
+                </a:extLst>
+              </p:cNvPr>
+              <p:cNvSpPr>
+                <a:spLocks noRot="1" noChangeAspect="1" noMove="1" noResize="1" noEditPoints="1" noAdjustHandles="1" noChangeArrowheads="1" noChangeShapeType="1" noTextEdit="1"/>
+              </p:cNvSpPr>
+              <p:nvPr/>
+            </p:nvSpPr>
+            <p:spPr>
+              <a:xfrm>
+                <a:off x="3298154" y="8086424"/>
+                <a:ext cx="5595693" cy="1006776"/>
+              </a:xfrm>
+              <a:prstGeom prst="rect">
+                <a:avLst/>
+              </a:prstGeom>
+              <a:blipFill>
+                <a:blip r:embed="rId2"/>
+                <a:stretch>
+                  <a:fillRect l="-541"/>
+                </a:stretch>
+              </a:blipFill>
+              <a:ln w="38100"/>
+            </p:spPr>
+            <p:txBody>
+              <a:bodyPr/>
+              <a:lstStyle/>
+              <a:p>
+                <a:r>
+                  <a:rPr lang="fr-FR">
+                    <a:noFill/>
+                  </a:rPr>
+                  <a:t> </a:t>
+                </a:r>
+              </a:p>
+            </p:txBody>
+          </p:sp>
+        </mc:Fallback>
+      </mc:AlternateContent>
+      <p:cxnSp>
+        <p:nvCxnSpPr>
+          <p:cNvPr id="5" name="Connecteur : en angle 4">
+            <a:extLst>
+              <a:ext uri="{FF2B5EF4-FFF2-40B4-BE49-F238E27FC236}">
+                <a16:creationId xmlns:a16="http://schemas.microsoft.com/office/drawing/2014/main" id="{DC28C662-3E4E-4449-8863-C7F9158E15AE}"/>
+              </a:ext>
+            </a:extLst>
+          </p:cNvPr>
+          <p:cNvCxnSpPr>
+            <a:cxnSpLocks/>
+            <a:stCxn id="8" idx="3"/>
+          </p:cNvCxnSpPr>
+          <p:nvPr/>
+        </p:nvCxnSpPr>
+        <p:spPr>
+          <a:xfrm>
+            <a:off x="5382229" y="5584572"/>
+            <a:ext cx="353030" cy="2501852"/>
+          </a:xfrm>
+          <a:prstGeom prst="bentConnector2">
+            <a:avLst/>
+          </a:prstGeom>
+          <a:ln w="76200">
+            <a:solidFill>
+              <a:schemeClr val="tx1"/>
+            </a:solidFill>
+            <a:tailEnd type="triangle"/>
+          </a:ln>
+        </p:spPr>
+        <p:style>
+          <a:lnRef idx="1">
+            <a:schemeClr val="accent1"/>
+          </a:lnRef>
+          <a:fillRef idx="0">
+            <a:schemeClr val="accent1"/>
+          </a:fillRef>
+          <a:effectRef idx="0">
+            <a:schemeClr val="accent1"/>
+          </a:effectRef>
+          <a:fontRef idx="minor">
+            <a:schemeClr val="tx1"/>
+          </a:fontRef>
+        </p:style>
+      </p:cxnSp>
+      <p:cxnSp>
+        <p:nvCxnSpPr>
+          <p:cNvPr id="26" name="Connecteur : en angle 25">
+            <a:extLst>
+              <a:ext uri="{FF2B5EF4-FFF2-40B4-BE49-F238E27FC236}">
+                <a16:creationId xmlns:a16="http://schemas.microsoft.com/office/drawing/2014/main" id="{691F5516-C29E-427F-A1DF-CFB983AF1366}"/>
+              </a:ext>
+            </a:extLst>
+          </p:cNvPr>
+          <p:cNvCxnSpPr>
+            <a:cxnSpLocks/>
+            <a:stCxn id="11" idx="1"/>
+          </p:cNvCxnSpPr>
+          <p:nvPr/>
+        </p:nvCxnSpPr>
+        <p:spPr>
+          <a:xfrm rot="10800000" flipV="1">
+            <a:off x="6466392" y="5584572"/>
+            <a:ext cx="335670" cy="2501852"/>
+          </a:xfrm>
+          <a:prstGeom prst="bentConnector2">
+            <a:avLst/>
+          </a:prstGeom>
+          <a:ln w="76200">
+            <a:solidFill>
+              <a:schemeClr val="tx1"/>
+            </a:solidFill>
+            <a:tailEnd type="triangle"/>
+          </a:ln>
+        </p:spPr>
+        <p:style>
+          <a:lnRef idx="1">
+            <a:schemeClr val="accent1"/>
+          </a:lnRef>
+          <a:fillRef idx="0">
+            <a:schemeClr val="accent1"/>
+          </a:fillRef>
+          <a:effectRef idx="0">
+            <a:schemeClr val="accent1"/>
+          </a:effectRef>
+          <a:fontRef idx="minor">
+            <a:schemeClr val="tx1"/>
+          </a:fontRef>
+        </p:style>
+      </p:cxnSp>
     </p:spTree>
     <p:extLst>
       <p:ext uri="{BB962C8B-B14F-4D97-AF65-F5344CB8AC3E}">
